--- a/ppt/LJT/4. http_이진태.pptx
+++ b/ppt/LJT/4. http_이진태.pptx
@@ -26666,7 +26666,7 @@
           <p:nvPr>
             <p:extLst>
               <p:ext uri="{D42A27DB-BD31-4B8C-83A1-F6EECF244321}">
-                <p14:modId xmlns:p14="http://schemas.microsoft.com/office/powerpoint/2010/main" val="1004639171"/>
+                <p14:modId xmlns:p14="http://schemas.microsoft.com/office/powerpoint/2010/main" val="3898159870"/>
               </p:ext>
             </p:extLst>
           </p:nvPr>
@@ -26869,6 +26869,13 @@
                           <a:hlinkClick r:id="rId5"/>
                         </a:rPr>
                         <a:t>http://www.jintaeboard.com/freeboard</a:t>
+                      </a:r>
+                      <a:r>
+                        <a:rPr lang="en-US" altLang="ko-KR">
+                          <a:latin typeface="나눔스퀘어라운드 Bold" panose="020B0600000101010101" pitchFamily="50" charset="-127"/>
+                          <a:ea typeface="나눔스퀘어라운드 Bold" panose="020B0600000101010101" pitchFamily="50" charset="-127"/>
+                        </a:rPr>
+                        <a:t>/72</a:t>
                       </a:r>
                       <a:endParaRPr lang="ko-KR" altLang="en-US">
                         <a:latin typeface="나눔스퀘어라운드 Bold" panose="020B0600000101010101" pitchFamily="50" charset="-127"/>
